--- a/Presentations/GitVSC_Edinburgh2306.pptx
+++ b/Presentations/GitVSC_Edinburgh2306.pptx
@@ -228,7 +228,7 @@
           <a:p>
             <a:fld id="{B9648CF3-8EBD-F849-BF14-29880ED6412A}" type="datetimeFigureOut">
               <a:rPr lang="en-NO" smtClean="0"/>
-              <a:t>21/06/2023</a:t>
+              <a:t>23/06/2023</a:t>
             </a:fld>
             <a:endParaRPr lang="en-NO"/>
           </a:p>
@@ -792,7 +792,7 @@
           <a:p>
             <a:fld id="{846CE7D5-CF57-46EF-B807-FDD0502418D4}" type="datetimeFigureOut">
               <a:rPr lang="en-US" smtClean="0"/>
-              <a:t>6/21/23</a:t>
+              <a:t>6/23/23</a:t>
             </a:fld>
             <a:endParaRPr lang="en-US"/>
           </a:p>
@@ -962,7 +962,7 @@
           <a:p>
             <a:fld id="{846CE7D5-CF57-46EF-B807-FDD0502418D4}" type="datetimeFigureOut">
               <a:rPr lang="en-US" smtClean="0"/>
-              <a:t>6/21/23</a:t>
+              <a:t>6/23/23</a:t>
             </a:fld>
             <a:endParaRPr lang="en-US"/>
           </a:p>
@@ -1142,7 +1142,7 @@
           <a:p>
             <a:fld id="{846CE7D5-CF57-46EF-B807-FDD0502418D4}" type="datetimeFigureOut">
               <a:rPr lang="en-US" smtClean="0"/>
-              <a:t>6/21/23</a:t>
+              <a:t>6/23/23</a:t>
             </a:fld>
             <a:endParaRPr lang="en-US"/>
           </a:p>
@@ -1312,7 +1312,7 @@
           <a:p>
             <a:fld id="{846CE7D5-CF57-46EF-B807-FDD0502418D4}" type="datetimeFigureOut">
               <a:rPr lang="en-US" smtClean="0"/>
-              <a:t>6/21/23</a:t>
+              <a:t>6/23/23</a:t>
             </a:fld>
             <a:endParaRPr lang="en-US"/>
           </a:p>
@@ -1580,7 +1580,7 @@
           <a:p>
             <a:fld id="{846CE7D5-CF57-46EF-B807-FDD0502418D4}" type="datetimeFigureOut">
               <a:rPr lang="en-US" smtClean="0"/>
-              <a:t>6/21/23</a:t>
+              <a:t>6/23/23</a:t>
             </a:fld>
             <a:endParaRPr lang="en-US"/>
           </a:p>
@@ -1812,7 +1812,7 @@
           <a:p>
             <a:fld id="{846CE7D5-CF57-46EF-B807-FDD0502418D4}" type="datetimeFigureOut">
               <a:rPr lang="en-US" smtClean="0"/>
-              <a:t>6/21/23</a:t>
+              <a:t>6/23/23</a:t>
             </a:fld>
             <a:endParaRPr lang="en-US"/>
           </a:p>
@@ -2171,7 +2171,7 @@
           <a:p>
             <a:fld id="{846CE7D5-CF57-46EF-B807-FDD0502418D4}" type="datetimeFigureOut">
               <a:rPr lang="en-US" smtClean="0"/>
-              <a:t>6/21/23</a:t>
+              <a:t>6/23/23</a:t>
             </a:fld>
             <a:endParaRPr lang="en-US"/>
           </a:p>
@@ -2312,7 +2312,7 @@
           <a:p>
             <a:fld id="{846CE7D5-CF57-46EF-B807-FDD0502418D4}" type="datetimeFigureOut">
               <a:rPr lang="en-US" smtClean="0"/>
-              <a:t>6/21/23</a:t>
+              <a:t>6/23/23</a:t>
             </a:fld>
             <a:endParaRPr lang="en-US"/>
           </a:p>
@@ -2407,7 +2407,7 @@
           <a:p>
             <a:fld id="{846CE7D5-CF57-46EF-B807-FDD0502418D4}" type="datetimeFigureOut">
               <a:rPr lang="en-US" smtClean="0"/>
-              <a:t>6/21/23</a:t>
+              <a:t>6/23/23</a:t>
             </a:fld>
             <a:endParaRPr lang="en-US"/>
           </a:p>
@@ -2764,7 +2764,7 @@
           <a:p>
             <a:fld id="{846CE7D5-CF57-46EF-B807-FDD0502418D4}" type="datetimeFigureOut">
               <a:rPr lang="en-US" smtClean="0"/>
-              <a:t>6/21/23</a:t>
+              <a:t>6/23/23</a:t>
             </a:fld>
             <a:endParaRPr lang="en-US"/>
           </a:p>
@@ -3121,7 +3121,7 @@
           <a:p>
             <a:fld id="{846CE7D5-CF57-46EF-B807-FDD0502418D4}" type="datetimeFigureOut">
               <a:rPr lang="en-US" smtClean="0"/>
-              <a:t>6/21/23</a:t>
+              <a:t>6/23/23</a:t>
             </a:fld>
             <a:endParaRPr lang="en-US"/>
           </a:p>
@@ -3363,7 +3363,7 @@
           <a:p>
             <a:fld id="{846CE7D5-CF57-46EF-B807-FDD0502418D4}" type="datetimeFigureOut">
               <a:rPr lang="en-US" smtClean="0"/>
-              <a:t>6/21/23</a:t>
+              <a:t>6/23/23</a:t>
             </a:fld>
             <a:endParaRPr lang="en-US"/>
           </a:p>
@@ -4315,7 +4315,7 @@
               <a:rPr lang="en-GB" dirty="0">
                 <a:cs typeface="Calibri"/>
               </a:rPr>
-              <a:t>Develop knowledge base for future expansion to larger choice of courses</a:t>
+              <a:t>Develop knowledge base for future expansion to larger group of courses</a:t>
             </a:r>
           </a:p>
           <a:p>
@@ -7940,14 +7940,14 @@
         </p:spPr>
         <p:txBody>
           <a:bodyPr>
-            <a:normAutofit/>
+            <a:normAutofit fontScale="92500" lnSpcReduction="10000"/>
           </a:bodyPr>
           <a:lstStyle/>
           <a:p>
             <a:pPr lvl="1"/>
             <a:r>
               <a:rPr lang="en-NO" dirty="0"/>
-              <a:t>Mostly experienced with MatLab/Fotran, not necessarily Python → possible missmatch between own practice and teaching aims</a:t>
+              <a:t>Possible missmatch between own practice (MatLab/Fortran) and teaching aims (Python)</a:t>
             </a:r>
           </a:p>
           <a:p>
@@ -7959,6 +7959,11 @@
               </a:rPr>
               <a:t>Programming is complex topic to teach (linguistics, scientific semantics, use cases…)</a:t>
             </a:r>
+          </a:p>
+          <a:p>
+            <a:pPr marL="228600" lvl="1" indent="0">
+              <a:buNone/>
+            </a:pPr>
             <a:endParaRPr lang="en-NO" dirty="0"/>
           </a:p>
           <a:p>
@@ -8035,6 +8040,11 @@
               </a:rPr>
               <a:t>...</a:t>
             </a:r>
+          </a:p>
+          <a:p>
+            <a:pPr marL="228600" lvl="1" indent="0">
+              <a:buNone/>
+            </a:pPr>
             <a:endParaRPr lang="en-NO" dirty="0"/>
           </a:p>
           <a:p>
@@ -8090,7 +8100,7 @@
         <p:spPr>
           <a:xfrm>
             <a:off x="1682937" y="2757054"/>
-            <a:ext cx="224634" cy="707554"/>
+            <a:ext cx="224634" cy="387311"/>
           </a:xfrm>
           <a:prstGeom prst="leftBrace">
             <a:avLst/>
@@ -8134,8 +8144,8 @@
         </p:nvSpPr>
         <p:spPr>
           <a:xfrm>
-            <a:off x="1682937" y="3713635"/>
-            <a:ext cx="224634" cy="866328"/>
+            <a:off x="1682937" y="3757704"/>
+            <a:ext cx="224634" cy="715145"/>
           </a:xfrm>
           <a:prstGeom prst="leftBrace">
             <a:avLst/>
@@ -8179,8 +8189,8 @@
         </p:nvSpPr>
         <p:spPr>
           <a:xfrm>
-            <a:off x="1682937" y="4828989"/>
-            <a:ext cx="224634" cy="1229262"/>
+            <a:off x="1682937" y="5097203"/>
+            <a:ext cx="224634" cy="1028176"/>
           </a:xfrm>
           <a:prstGeom prst="leftBrace">
             <a:avLst/>
@@ -8224,7 +8234,7 @@
         </p:nvSpPr>
         <p:spPr>
           <a:xfrm>
-            <a:off x="110831" y="2926165"/>
+            <a:off x="110830" y="2761414"/>
             <a:ext cx="1572099" cy="369332"/>
           </a:xfrm>
           <a:prstGeom prst="rect">
@@ -8260,7 +8270,7 @@
         </p:nvSpPr>
         <p:spPr>
           <a:xfrm>
-            <a:off x="110830" y="3962133"/>
+            <a:off x="0" y="3929308"/>
             <a:ext cx="1572099" cy="369332"/>
           </a:xfrm>
           <a:prstGeom prst="rect">
@@ -8296,7 +8306,7 @@
         </p:nvSpPr>
         <p:spPr>
           <a:xfrm>
-            <a:off x="169514" y="4981955"/>
+            <a:off x="169514" y="5097202"/>
             <a:ext cx="1454729" cy="923330"/>
           </a:xfrm>
           <a:prstGeom prst="rect">
@@ -8595,7 +8605,7 @@
                                         <p:tgtEl>
                                           <p:spTgt spid="3">
                                             <p:txEl>
-                                              <p:pRg st="2" end="2"/>
+                                              <p:pRg st="3" end="3"/>
                                             </p:txEl>
                                           </p:spTgt>
                                         </p:tgtEl>
@@ -8626,7 +8636,7 @@
                                         <p:tgtEl>
                                           <p:spTgt spid="3">
                                             <p:txEl>
-                                              <p:pRg st="3" end="3"/>
+                                              <p:pRg st="4" end="4"/>
                                             </p:txEl>
                                           </p:spTgt>
                                         </p:tgtEl>
@@ -8657,7 +8667,7 @@
                                         <p:tgtEl>
                                           <p:spTgt spid="3">
                                             <p:txEl>
-                                              <p:pRg st="4" end="4"/>
+                                              <p:pRg st="5" end="5"/>
                                             </p:txEl>
                                           </p:spTgt>
                                         </p:tgtEl>
@@ -8778,7 +8788,7 @@
                                         <p:tgtEl>
                                           <p:spTgt spid="3">
                                             <p:txEl>
-                                              <p:pRg st="5" end="5"/>
+                                              <p:pRg st="7" end="7"/>
                                             </p:txEl>
                                           </p:spTgt>
                                         </p:tgtEl>
@@ -8809,7 +8819,7 @@
                                         <p:tgtEl>
                                           <p:spTgt spid="3">
                                             <p:txEl>
-                                              <p:pRg st="6" end="6"/>
+                                              <p:pRg st="8" end="8"/>
                                             </p:txEl>
                                           </p:spTgt>
                                         </p:tgtEl>
@@ -8840,7 +8850,7 @@
                                         <p:tgtEl>
                                           <p:spTgt spid="3">
                                             <p:txEl>
-                                              <p:pRg st="7" end="7"/>
+                                              <p:pRg st="9" end="9"/>
                                             </p:txEl>
                                           </p:spTgt>
                                         </p:tgtEl>
@@ -8871,7 +8881,7 @@
                                         <p:tgtEl>
                                           <p:spTgt spid="3">
                                             <p:txEl>
-                                              <p:pRg st="8" end="8"/>
+                                              <p:pRg st="10" end="10"/>
                                             </p:txEl>
                                           </p:spTgt>
                                         </p:tgtEl>
@@ -9229,7 +9239,7 @@
               <a:rPr lang="en-GB" dirty="0">
                 <a:cs typeface="Calibri"/>
               </a:rPr>
-              <a:t> on course design (peer-peer, Students as Partners)</a:t>
+              <a:t> on course design (peer-to-peer, Students as Partners)</a:t>
             </a:r>
           </a:p>
           <a:p>
@@ -9237,7 +9247,7 @@
               <a:rPr lang="en-GB" dirty="0">
                 <a:cs typeface="Calibri"/>
               </a:rPr>
-              <a:t>Support teaching by creating continuity between courses and over several years</a:t>
+              <a:t>Create continuity between courses and over several years</a:t>
             </a:r>
           </a:p>
           <a:p>
@@ -9257,7 +9267,7 @@
               <a:rPr lang="en-GB" dirty="0">
                 <a:cs typeface="Calibri"/>
               </a:rPr>
-              <a:t> to across institution</a:t>
+              <a:t> across institution</a:t>
             </a:r>
           </a:p>
         </p:txBody>
@@ -9620,7 +9630,11 @@
           <a:lstStyle/>
           <a:p>
             <a:r>
-              <a:rPr lang="en-NO" sz="1400" dirty="0"/>
+              <a:rPr lang="en-NO" sz="1400" dirty="0">
+                <a:solidFill>
+                  <a:schemeClr val="tx1"/>
+                </a:solidFill>
+              </a:rPr>
               <a:t>Managers:</a:t>
             </a:r>
           </a:p>
@@ -9630,7 +9644,11 @@
               <a:buChar char="-"/>
             </a:pPr>
             <a:r>
-              <a:rPr lang="en-NO" sz="1400" dirty="0"/>
+              <a:rPr lang="en-NO" sz="1400" dirty="0">
+                <a:solidFill>
+                  <a:schemeClr val="tx1"/>
+                </a:solidFill>
+              </a:rPr>
               <a:t>Vår</a:t>
             </a:r>
           </a:p>
@@ -9640,7 +9658,11 @@
               <a:buChar char="-"/>
             </a:pPr>
             <a:r>
-              <a:rPr lang="en-NO" sz="1400" dirty="0"/>
+              <a:rPr lang="en-NO" sz="1400" dirty="0">
+                <a:solidFill>
+                  <a:schemeClr val="tx1"/>
+                </a:solidFill>
+              </a:rPr>
               <a:t>Julien</a:t>
             </a:r>
           </a:p>
@@ -9650,7 +9672,11 @@
               <a:buChar char="-"/>
             </a:pPr>
             <a:r>
-              <a:rPr lang="en-NO" sz="1400" dirty="0"/>
+              <a:rPr lang="en-NO" sz="1400" dirty="0">
+                <a:solidFill>
+                  <a:schemeClr val="tx1"/>
+                </a:solidFill>
+              </a:rPr>
               <a:t>Msc student?</a:t>
             </a:r>
           </a:p>
@@ -9740,7 +9766,7 @@
             <a:pPr algn="ctr"/>
             <a:r>
               <a:rPr lang="en-NO" dirty="0"/>
-              <a:t>GEOF100 folder</a:t>
+              <a:t>Course 1 folder</a:t>
             </a:r>
           </a:p>
         </p:txBody>
@@ -9789,7 +9815,7 @@
             <a:pPr algn="ctr"/>
             <a:r>
               <a:rPr lang="en-NO" dirty="0"/>
-              <a:t>GEOF105 folder</a:t>
+              <a:t>Course 2 folder</a:t>
             </a:r>
           </a:p>
         </p:txBody>
@@ -10111,7 +10137,11 @@
           <a:lstStyle/>
           <a:p>
             <a:r>
-              <a:rPr lang="en-NO" sz="1400" dirty="0"/>
+              <a:rPr lang="en-NO" sz="1400" dirty="0">
+                <a:solidFill>
+                  <a:schemeClr val="tx1"/>
+                </a:solidFill>
+              </a:rPr>
               <a:t>Managers:</a:t>
             </a:r>
           </a:p>
@@ -10121,12 +10151,20 @@
               <a:buChar char="-"/>
             </a:pPr>
             <a:r>
-              <a:rPr lang="en-GB" sz="1400" dirty="0"/>
+              <a:rPr lang="en-GB" sz="1400" dirty="0">
+                <a:solidFill>
+                  <a:schemeClr val="tx1"/>
+                </a:solidFill>
+              </a:rPr>
               <a:t>L</a:t>
             </a:r>
             <a:r>
-              <a:rPr lang="en-NO" sz="1400" dirty="0"/>
-              <a:t>ecturers</a:t>
+              <a:rPr lang="en-NO" sz="1400" dirty="0">
+                <a:solidFill>
+                  <a:schemeClr val="tx1"/>
+                </a:solidFill>
+              </a:rPr>
+              <a:t>ecturer</a:t>
             </a:r>
           </a:p>
           <a:p>
@@ -10135,7 +10173,11 @@
               <a:buChar char="-"/>
             </a:pPr>
             <a:r>
-              <a:rPr lang="en-NO" sz="1400" dirty="0"/>
+              <a:rPr lang="en-NO" sz="1400" dirty="0">
+                <a:solidFill>
+                  <a:schemeClr val="tx1"/>
+                </a:solidFill>
+              </a:rPr>
               <a:t>TAs</a:t>
             </a:r>
           </a:p>
@@ -10186,7 +10228,11 @@
           <a:lstStyle/>
           <a:p>
             <a:r>
-              <a:rPr lang="en-NO" sz="1400" dirty="0"/>
+              <a:rPr lang="en-NO" sz="1400" dirty="0">
+                <a:solidFill>
+                  <a:schemeClr val="tx1"/>
+                </a:solidFill>
+              </a:rPr>
               <a:t>Managers:</a:t>
             </a:r>
           </a:p>
@@ -10196,12 +10242,20 @@
               <a:buChar char="-"/>
             </a:pPr>
             <a:r>
-              <a:rPr lang="en-GB" sz="1400" dirty="0"/>
+              <a:rPr lang="en-GB" sz="1400" dirty="0">
+                <a:solidFill>
+                  <a:schemeClr val="tx1"/>
+                </a:solidFill>
+              </a:rPr>
               <a:t>L</a:t>
             </a:r>
             <a:r>
-              <a:rPr lang="en-NO" sz="1400" dirty="0"/>
-              <a:t>ecturers</a:t>
+              <a:rPr lang="en-NO" sz="1400" dirty="0">
+                <a:solidFill>
+                  <a:schemeClr val="tx1"/>
+                </a:solidFill>
+              </a:rPr>
+              <a:t>ecturer</a:t>
             </a:r>
           </a:p>
           <a:p>
@@ -10210,7 +10264,11 @@
               <a:buChar char="-"/>
             </a:pPr>
             <a:r>
-              <a:rPr lang="en-NO" sz="1400" dirty="0"/>
+              <a:rPr lang="en-NO" sz="1400" dirty="0">
+                <a:solidFill>
+                  <a:schemeClr val="tx1"/>
+                </a:solidFill>
+              </a:rPr>
               <a:t>TAs</a:t>
             </a:r>
           </a:p>
@@ -10261,7 +10319,11 @@
           <a:lstStyle/>
           <a:p>
             <a:r>
-              <a:rPr lang="en-NO" sz="1400" dirty="0"/>
+              <a:rPr lang="en-NO" sz="1400" dirty="0">
+                <a:solidFill>
+                  <a:schemeClr val="tx1"/>
+                </a:solidFill>
+              </a:rPr>
               <a:t>Managers:</a:t>
             </a:r>
           </a:p>
@@ -10271,12 +10333,20 @@
               <a:buChar char="-"/>
             </a:pPr>
             <a:r>
-              <a:rPr lang="en-GB" sz="1400" dirty="0"/>
+              <a:rPr lang="en-GB" sz="1400" dirty="0">
+                <a:solidFill>
+                  <a:schemeClr val="tx1"/>
+                </a:solidFill>
+              </a:rPr>
               <a:t>L</a:t>
             </a:r>
             <a:r>
-              <a:rPr lang="en-NO" sz="1400" dirty="0"/>
-              <a:t>ecturers</a:t>
+              <a:rPr lang="en-NO" sz="1400" dirty="0">
+                <a:solidFill>
+                  <a:schemeClr val="tx1"/>
+                </a:solidFill>
+              </a:rPr>
+              <a:t>ecturer</a:t>
             </a:r>
           </a:p>
           <a:p>
@@ -10285,7 +10355,11 @@
               <a:buChar char="-"/>
             </a:pPr>
             <a:r>
-              <a:rPr lang="en-NO" sz="1400" dirty="0"/>
+              <a:rPr lang="en-NO" sz="1400" dirty="0">
+                <a:solidFill>
+                  <a:schemeClr val="tx1"/>
+                </a:solidFill>
+              </a:rPr>
               <a:t>TAs</a:t>
             </a:r>
           </a:p>
@@ -10336,7 +10410,11 @@
           <a:lstStyle/>
           <a:p>
             <a:r>
-              <a:rPr lang="en-NO" sz="1400" dirty="0"/>
+              <a:rPr lang="en-NO" sz="1400" dirty="0">
+                <a:solidFill>
+                  <a:schemeClr val="tx1"/>
+                </a:solidFill>
+              </a:rPr>
               <a:t>Managers:</a:t>
             </a:r>
           </a:p>
@@ -10346,10 +10424,18 @@
               <a:buChar char="-"/>
             </a:pPr>
             <a:r>
-              <a:rPr lang="en-US" sz="1400" dirty="0"/>
-              <a:t>Everyone?</a:t>
-            </a:r>
-            <a:endParaRPr lang="en-NO" sz="1400" dirty="0"/>
+              <a:rPr lang="en-US" sz="1400" dirty="0">
+                <a:solidFill>
+                  <a:schemeClr val="tx1"/>
+                </a:solidFill>
+              </a:rPr>
+              <a:t>Everyone</a:t>
+            </a:r>
+            <a:endParaRPr lang="en-NO" sz="1400" dirty="0">
+              <a:solidFill>
+                <a:schemeClr val="tx1"/>
+              </a:solidFill>
+            </a:endParaRPr>
           </a:p>
         </p:txBody>
       </p:sp>
@@ -10824,7 +10910,7 @@
           <a:p>
             <a:r>
               <a:rPr lang="en-US" dirty="0"/>
-              <a:t>Codes</a:t>
+              <a:t>Scripts</a:t>
             </a:r>
             <a:endParaRPr lang="en-NO" dirty="0"/>
           </a:p>
@@ -11099,7 +11185,7 @@
         </p:nvSpPr>
         <p:spPr>
           <a:xfrm>
-            <a:off x="273514" y="191253"/>
+            <a:off x="283100" y="289002"/>
             <a:ext cx="11625797" cy="4828863"/>
           </a:xfrm>
           <a:prstGeom prst="roundRect">
@@ -11149,7 +11235,7 @@
         </p:nvSpPr>
         <p:spPr>
           <a:xfrm>
-            <a:off x="9926717" y="4986228"/>
+            <a:off x="9464007" y="5118432"/>
             <a:ext cx="1819715" cy="369332"/>
           </a:xfrm>
           <a:prstGeom prst="rect">
@@ -11985,7 +12071,7 @@
         <p:spPr>
           <a:xfrm>
             <a:off x="1776177" y="2401677"/>
-            <a:ext cx="8639645" cy="4456323"/>
+            <a:ext cx="8965269" cy="4456323"/>
           </a:xfrm>
         </p:spPr>
         <p:txBody>
@@ -12062,7 +12148,7 @@
             </a:r>
             <a:r>
               <a:rPr lang="en-GB" dirty="0"/>
-              <a:t> running and updating</a:t>
+              <a:t> running and updating, etc.</a:t>
             </a:r>
           </a:p>
           <a:p>
@@ -12078,14 +12164,14 @@
             <a:pPr lvl="1"/>
             <a:r>
               <a:rPr lang="en-GB" dirty="0"/>
-              <a:t>Review of the literature</a:t>
+              <a:t>Review of the newest literature</a:t>
             </a:r>
           </a:p>
           <a:p>
             <a:pPr lvl="1"/>
             <a:r>
               <a:rPr lang="en-GB" dirty="0"/>
-              <a:t>Current practices and strengths</a:t>
+              <a:t>Current practices at GFI and strengths</a:t>
             </a:r>
           </a:p>
           <a:p>
@@ -12096,7 +12182,7 @@
             </a:r>
             <a:r>
               <a:rPr lang="en-GB" dirty="0"/>
-              <a:t>: series of collaborative tasks, from simple to progressively more complex uses</a:t>
+              <a:t>: series of collaborative tasks, from simple to progressively more complex uses, etc.</a:t>
             </a:r>
           </a:p>
         </p:txBody>
@@ -12670,15 +12756,6 @@
 </file>
 
 <file path=customXml/item1.xml><?xml version="1.0" encoding="utf-8"?>
-<?mso-contentType ?>
-<FormTemplates xmlns="http://schemas.microsoft.com/sharepoint/v3/contenttype/forms">
-  <Display>DocumentLibraryForm</Display>
-  <Edit>DocumentLibraryForm</Edit>
-  <New>DocumentLibraryForm</New>
-</FormTemplates>
-</file>
-
-<file path=customXml/item2.xml><?xml version="1.0" encoding="utf-8"?>
 <p:properties xmlns:p="http://schemas.microsoft.com/office/2006/metadata/properties" xmlns:xsi="http://www.w3.org/2001/XMLSchema-instance" xmlns:pc="http://schemas.microsoft.com/office/infopath/2007/PartnerControls">
   <documentManagement>
     <lcf76f155ced4ddcb4097134ff3c332f xmlns="0c8c195d-e1f6-4270-9ea8-5cda6b8b865a">
@@ -12687,6 +12764,15 @@
     <TaxCatchAll xmlns="6045a0df-7b0b-4cbb-bde0-e6502ab27289" xsi:nil="true"/>
   </documentManagement>
 </p:properties>
+</file>
+
+<file path=customXml/item2.xml><?xml version="1.0" encoding="utf-8"?>
+<?mso-contentType ?>
+<FormTemplates xmlns="http://schemas.microsoft.com/sharepoint/v3/contenttype/forms">
+  <Display>DocumentLibraryForm</Display>
+  <Edit>DocumentLibraryForm</Edit>
+  <New>DocumentLibraryForm</New>
+</FormTemplates>
 </file>
 
 <file path=customXml/item3.xml><?xml version="1.0" encoding="utf-8"?>
@@ -12873,14 +12959,6 @@
 </file>
 
 <file path=customXml/itemProps1.xml><?xml version="1.0" encoding="utf-8"?>
-<ds:datastoreItem xmlns:ds="http://schemas.openxmlformats.org/officeDocument/2006/customXml" ds:itemID="{E230329C-2C4C-43FB-A70E-1973EF9770C9}">
-  <ds:schemaRefs>
-    <ds:schemaRef ds:uri="http://schemas.microsoft.com/sharepoint/v3/contenttype/forms"/>
-  </ds:schemaRefs>
-</ds:datastoreItem>
-</file>
-
-<file path=customXml/itemProps2.xml><?xml version="1.0" encoding="utf-8"?>
 <ds:datastoreItem xmlns:ds="http://schemas.openxmlformats.org/officeDocument/2006/customXml" ds:itemID="{3431BA8A-2A6C-4F7E-B85A-052EF3C0405E}">
   <ds:schemaRefs>
     <ds:schemaRef ds:uri="http://schemas.microsoft.com/office/2006/metadata/properties"/>
@@ -12893,6 +12971,14 @@
     <ds:schemaRef ds:uri="http://schemas.openxmlformats.org/package/2006/metadata/core-properties"/>
     <ds:schemaRef ds:uri="6045a0df-7b0b-4cbb-bde0-e6502ab27289"/>
     <ds:schemaRef ds:uri="http://www.w3.org/XML/1998/namespace"/>
+  </ds:schemaRefs>
+</ds:datastoreItem>
+</file>
+
+<file path=customXml/itemProps2.xml><?xml version="1.0" encoding="utf-8"?>
+<ds:datastoreItem xmlns:ds="http://schemas.openxmlformats.org/officeDocument/2006/customXml" ds:itemID="{E230329C-2C4C-43FB-A70E-1973EF9770C9}">
+  <ds:schemaRefs>
+    <ds:schemaRef ds:uri="http://schemas.microsoft.com/sharepoint/v3/contenttype/forms"/>
   </ds:schemaRefs>
 </ds:datastoreItem>
 </file>
